--- a/Chapter 05 - Docker Swarm.pptx
+++ b/Chapter 05 - Docker Swarm.pptx
@@ -206,7 +206,7 @@
           <a:noFill/>
           <a:extLst>
             <a:ext uri="{909E8E84-426E-40dd-AFC4-6F175D3DCCD1}">
-              <a14:hiddenFill xmlns="" xmlns:a14="http://schemas.microsoft.com/office/drawing/2010/main">
+              <a14:hiddenFill xmlns:a14="http://schemas.microsoft.com/office/drawing/2010/main" xmlns="">
                 <a:solidFill>
                   <a:srgbClr val="FFFFFF"/>
                 </a:solidFill>
@@ -265,7 +265,7 @@
             </a:ln>
             <a:extLst>
               <a:ext uri="{91240B29-F687-4f45-9708-019B960494DF}">
-                <a14:hiddenLine xmlns="" xmlns:a14="http://schemas.microsoft.com/office/drawing/2010/main" w="9525">
+                <a14:hiddenLine xmlns:a14="http://schemas.microsoft.com/office/drawing/2010/main" xmlns="" w="9525">
                   <a:solidFill>
                     <a:srgbClr val="000000"/>
                   </a:solidFill>
@@ -355,7 +355,7 @@
             </a:ln>
             <a:extLst>
               <a:ext uri="{91240B29-F687-4f45-9708-019B960494DF}">
-                <a14:hiddenLine xmlns="" xmlns:a14="http://schemas.microsoft.com/office/drawing/2010/main" w="9525">
+                <a14:hiddenLine xmlns:a14="http://schemas.microsoft.com/office/drawing/2010/main" xmlns="" w="9525">
                   <a:solidFill>
                     <a:srgbClr val="000000"/>
                   </a:solidFill>
@@ -445,7 +445,7 @@
             </a:ln>
             <a:extLst>
               <a:ext uri="{91240B29-F687-4f45-9708-019B960494DF}">
-                <a14:hiddenLine xmlns="" xmlns:a14="http://schemas.microsoft.com/office/drawing/2010/main" w="9525">
+                <a14:hiddenLine xmlns:a14="http://schemas.microsoft.com/office/drawing/2010/main" xmlns="" w="9525">
                   <a:solidFill>
                     <a:srgbClr val="000000"/>
                   </a:solidFill>
@@ -479,7 +479,7 @@
             </a:ln>
             <a:extLst>
               <a:ext uri="{91240B29-F687-4f45-9708-019B960494DF}">
-                <a14:hiddenLine xmlns="" xmlns:a14="http://schemas.microsoft.com/office/drawing/2010/main" w="9525">
+                <a14:hiddenLine xmlns:a14="http://schemas.microsoft.com/office/drawing/2010/main" xmlns="" w="9525">
                   <a:solidFill>
                     <a:srgbClr val="000000"/>
                   </a:solidFill>
@@ -569,7 +569,7 @@
             </a:ln>
             <a:extLst>
               <a:ext uri="{91240B29-F687-4f45-9708-019B960494DF}">
-                <a14:hiddenLine xmlns="" xmlns:a14="http://schemas.microsoft.com/office/drawing/2010/main" w="9525">
+                <a14:hiddenLine xmlns:a14="http://schemas.microsoft.com/office/drawing/2010/main" xmlns="" w="9525">
                   <a:solidFill>
                     <a:srgbClr val="000000"/>
                   </a:solidFill>
@@ -631,7 +631,7 @@
             </a:ln>
             <a:extLst>
               <a:ext uri="{91240B29-F687-4f45-9708-019B960494DF}">
-                <a14:hiddenLine xmlns="" xmlns:a14="http://schemas.microsoft.com/office/drawing/2010/main" w="9525">
+                <a14:hiddenLine xmlns:a14="http://schemas.microsoft.com/office/drawing/2010/main" xmlns="" w="9525">
                   <a:solidFill>
                     <a:srgbClr val="000000"/>
                   </a:solidFill>
@@ -693,7 +693,7 @@
             </a:ln>
             <a:extLst>
               <a:ext uri="{91240B29-F687-4f45-9708-019B960494DF}">
-                <a14:hiddenLine xmlns="" xmlns:a14="http://schemas.microsoft.com/office/drawing/2010/main" w="9525">
+                <a14:hiddenLine xmlns:a14="http://schemas.microsoft.com/office/drawing/2010/main" xmlns="" w="9525">
                   <a:solidFill>
                     <a:srgbClr val="000000"/>
                   </a:solidFill>
@@ -783,7 +783,7 @@
             </a:ln>
             <a:extLst>
               <a:ext uri="{91240B29-F687-4f45-9708-019B960494DF}">
-                <a14:hiddenLine xmlns="" xmlns:a14="http://schemas.microsoft.com/office/drawing/2010/main" w="9525">
+                <a14:hiddenLine xmlns:a14="http://schemas.microsoft.com/office/drawing/2010/main" xmlns="" w="9525">
                   <a:solidFill>
                     <a:srgbClr val="000000"/>
                   </a:solidFill>
@@ -845,7 +845,7 @@
             </a:ln>
             <a:extLst>
               <a:ext uri="{91240B29-F687-4f45-9708-019B960494DF}">
-                <a14:hiddenLine xmlns="" xmlns:a14="http://schemas.microsoft.com/office/drawing/2010/main" w="9525">
+                <a14:hiddenLine xmlns:a14="http://schemas.microsoft.com/office/drawing/2010/main" xmlns="" w="9525">
                   <a:solidFill>
                     <a:srgbClr val="000000"/>
                   </a:solidFill>
@@ -907,7 +907,7 @@
             </a:ln>
             <a:extLst>
               <a:ext uri="{91240B29-F687-4f45-9708-019B960494DF}">
-                <a14:hiddenLine xmlns="" xmlns:a14="http://schemas.microsoft.com/office/drawing/2010/main" w="9525">
+                <a14:hiddenLine xmlns:a14="http://schemas.microsoft.com/office/drawing/2010/main" xmlns="" w="9525">
                   <a:solidFill>
                     <a:srgbClr val="000000"/>
                   </a:solidFill>
@@ -997,7 +997,7 @@
             </a:ln>
             <a:extLst>
               <a:ext uri="{91240B29-F687-4f45-9708-019B960494DF}">
-                <a14:hiddenLine xmlns="" xmlns:a14="http://schemas.microsoft.com/office/drawing/2010/main" w="9525">
+                <a14:hiddenLine xmlns:a14="http://schemas.microsoft.com/office/drawing/2010/main" xmlns="" w="9525">
                   <a:solidFill>
                     <a:srgbClr val="000000"/>
                   </a:solidFill>
@@ -1087,7 +1087,7 @@
             </a:ln>
             <a:extLst>
               <a:ext uri="{91240B29-F687-4f45-9708-019B960494DF}">
-                <a14:hiddenLine xmlns="" xmlns:a14="http://schemas.microsoft.com/office/drawing/2010/main" w="9525">
+                <a14:hiddenLine xmlns:a14="http://schemas.microsoft.com/office/drawing/2010/main" xmlns="" w="9525">
                   <a:solidFill>
                     <a:srgbClr val="000000"/>
                   </a:solidFill>
@@ -1149,7 +1149,7 @@
             </a:ln>
             <a:extLst>
               <a:ext uri="{91240B29-F687-4f45-9708-019B960494DF}">
-                <a14:hiddenLine xmlns="" xmlns:a14="http://schemas.microsoft.com/office/drawing/2010/main" w="9525">
+                <a14:hiddenLine xmlns:a14="http://schemas.microsoft.com/office/drawing/2010/main" xmlns="" w="9525">
                   <a:solidFill>
                     <a:srgbClr val="000000"/>
                   </a:solidFill>
@@ -1259,7 +1259,7 @@
             </a:ln>
             <a:extLst>
               <a:ext uri="{91240B29-F687-4f45-9708-019B960494DF}">
-                <a14:hiddenLine xmlns="" xmlns:a14="http://schemas.microsoft.com/office/drawing/2010/main" w="9525">
+                <a14:hiddenLine xmlns:a14="http://schemas.microsoft.com/office/drawing/2010/main" xmlns="" w="9525">
                   <a:solidFill>
                     <a:srgbClr val="000000"/>
                   </a:solidFill>
@@ -1321,7 +1321,7 @@
             </a:ln>
             <a:extLst>
               <a:ext uri="{91240B29-F687-4f45-9708-019B960494DF}">
-                <a14:hiddenLine xmlns="" xmlns:a14="http://schemas.microsoft.com/office/drawing/2010/main" w="9525">
+                <a14:hiddenLine xmlns:a14="http://schemas.microsoft.com/office/drawing/2010/main" xmlns="" w="9525">
                   <a:solidFill>
                     <a:srgbClr val="000000"/>
                   </a:solidFill>
@@ -1411,7 +1411,7 @@
             </a:ln>
             <a:extLst>
               <a:ext uri="{91240B29-F687-4f45-9708-019B960494DF}">
-                <a14:hiddenLine xmlns="" xmlns:a14="http://schemas.microsoft.com/office/drawing/2010/main" w="9525">
+                <a14:hiddenLine xmlns:a14="http://schemas.microsoft.com/office/drawing/2010/main" xmlns="" w="9525">
                   <a:solidFill>
                     <a:srgbClr val="000000"/>
                   </a:solidFill>
@@ -1501,7 +1501,7 @@
             </a:ln>
             <a:extLst>
               <a:ext uri="{91240B29-F687-4f45-9708-019B960494DF}">
-                <a14:hiddenLine xmlns="" xmlns:a14="http://schemas.microsoft.com/office/drawing/2010/main" w="9525">
+                <a14:hiddenLine xmlns:a14="http://schemas.microsoft.com/office/drawing/2010/main" xmlns="" w="9525">
                   <a:solidFill>
                     <a:srgbClr val="000000"/>
                   </a:solidFill>
@@ -1563,7 +1563,7 @@
             </a:ln>
             <a:extLst>
               <a:ext uri="{91240B29-F687-4f45-9708-019B960494DF}">
-                <a14:hiddenLine xmlns="" xmlns:a14="http://schemas.microsoft.com/office/drawing/2010/main" w="9525">
+                <a14:hiddenLine xmlns:a14="http://schemas.microsoft.com/office/drawing/2010/main" xmlns="" w="9525">
                   <a:solidFill>
                     <a:srgbClr val="000000"/>
                   </a:solidFill>
@@ -1653,7 +1653,7 @@
             </a:ln>
             <a:extLst>
               <a:ext uri="{91240B29-F687-4f45-9708-019B960494DF}">
-                <a14:hiddenLine xmlns="" xmlns:a14="http://schemas.microsoft.com/office/drawing/2010/main" w="9525">
+                <a14:hiddenLine xmlns:a14="http://schemas.microsoft.com/office/drawing/2010/main" xmlns="" w="9525">
                   <a:solidFill>
                     <a:srgbClr val="000000"/>
                   </a:solidFill>
@@ -1743,7 +1743,7 @@
             </a:ln>
             <a:extLst>
               <a:ext uri="{91240B29-F687-4f45-9708-019B960494DF}">
-                <a14:hiddenLine xmlns="" xmlns:a14="http://schemas.microsoft.com/office/drawing/2010/main" w="9525">
+                <a14:hiddenLine xmlns:a14="http://schemas.microsoft.com/office/drawing/2010/main" xmlns="" w="9525">
                   <a:solidFill>
                     <a:srgbClr val="000000"/>
                   </a:solidFill>
@@ -1799,7 +1799,7 @@
             </a:ln>
             <a:extLst>
               <a:ext uri="{91240B29-F687-4f45-9708-019B960494DF}">
-                <a14:hiddenLine xmlns="" xmlns:a14="http://schemas.microsoft.com/office/drawing/2010/main" w="9525">
+                <a14:hiddenLine xmlns:a14="http://schemas.microsoft.com/office/drawing/2010/main" xmlns="" w="9525">
                   <a:solidFill>
                     <a:srgbClr val="000000"/>
                   </a:solidFill>
@@ -1889,7 +1889,7 @@
             </a:ln>
             <a:extLst>
               <a:ext uri="{91240B29-F687-4f45-9708-019B960494DF}">
-                <a14:hiddenLine xmlns="" xmlns:a14="http://schemas.microsoft.com/office/drawing/2010/main" w="9525">
+                <a14:hiddenLine xmlns:a14="http://schemas.microsoft.com/office/drawing/2010/main" xmlns="" w="9525">
                   <a:solidFill>
                     <a:srgbClr val="000000"/>
                   </a:solidFill>
@@ -1945,7 +1945,7 @@
             </a:ln>
             <a:extLst>
               <a:ext uri="{91240B29-F687-4f45-9708-019B960494DF}">
-                <a14:hiddenLine xmlns="" xmlns:a14="http://schemas.microsoft.com/office/drawing/2010/main" w="9525">
+                <a14:hiddenLine xmlns:a14="http://schemas.microsoft.com/office/drawing/2010/main" xmlns="" w="9525">
                   <a:solidFill>
                     <a:srgbClr val="000000"/>
                   </a:solidFill>
@@ -2035,7 +2035,7 @@
             </a:ln>
             <a:extLst>
               <a:ext uri="{91240B29-F687-4f45-9708-019B960494DF}">
-                <a14:hiddenLine xmlns="" xmlns:a14="http://schemas.microsoft.com/office/drawing/2010/main" w="9525">
+                <a14:hiddenLine xmlns:a14="http://schemas.microsoft.com/office/drawing/2010/main" xmlns="" w="9525">
                   <a:solidFill>
                     <a:srgbClr val="000000"/>
                   </a:solidFill>
@@ -2103,7 +2103,7 @@
             </a:ln>
             <a:extLst>
               <a:ext uri="{91240B29-F687-4f45-9708-019B960494DF}">
-                <a14:hiddenLine xmlns="" xmlns:a14="http://schemas.microsoft.com/office/drawing/2010/main" w="9525">
+                <a14:hiddenLine xmlns:a14="http://schemas.microsoft.com/office/drawing/2010/main" xmlns="" w="9525">
                   <a:solidFill>
                     <a:srgbClr val="000000"/>
                   </a:solidFill>
@@ -2193,7 +2193,7 @@
             </a:ln>
             <a:extLst>
               <a:ext uri="{91240B29-F687-4f45-9708-019B960494DF}">
-                <a14:hiddenLine xmlns="" xmlns:a14="http://schemas.microsoft.com/office/drawing/2010/main" w="9525">
+                <a14:hiddenLine xmlns:a14="http://schemas.microsoft.com/office/drawing/2010/main" xmlns="" w="9525">
                   <a:solidFill>
                     <a:srgbClr val="000000"/>
                   </a:solidFill>
@@ -2261,7 +2261,7 @@
             </a:ln>
             <a:extLst>
               <a:ext uri="{91240B29-F687-4f45-9708-019B960494DF}">
-                <a14:hiddenLine xmlns="" xmlns:a14="http://schemas.microsoft.com/office/drawing/2010/main" w="9525">
+                <a14:hiddenLine xmlns:a14="http://schemas.microsoft.com/office/drawing/2010/main" xmlns="" w="9525">
                   <a:solidFill>
                     <a:srgbClr val="000000"/>
                   </a:solidFill>
@@ -2351,7 +2351,7 @@
             </a:ln>
             <a:extLst>
               <a:ext uri="{91240B29-F687-4f45-9708-019B960494DF}">
-                <a14:hiddenLine xmlns="" xmlns:a14="http://schemas.microsoft.com/office/drawing/2010/main" w="9525">
+                <a14:hiddenLine xmlns:a14="http://schemas.microsoft.com/office/drawing/2010/main" xmlns="" w="9525">
                   <a:solidFill>
                     <a:srgbClr val="000000"/>
                   </a:solidFill>
@@ -2385,7 +2385,7 @@
             </a:ln>
             <a:extLst>
               <a:ext uri="{91240B29-F687-4f45-9708-019B960494DF}">
-                <a14:hiddenLine xmlns="" xmlns:a14="http://schemas.microsoft.com/office/drawing/2010/main" w="9525">
+                <a14:hiddenLine xmlns:a14="http://schemas.microsoft.com/office/drawing/2010/main" xmlns="" w="9525">
                   <a:solidFill>
                     <a:srgbClr val="000000"/>
                   </a:solidFill>
@@ -2475,7 +2475,7 @@
             </a:ln>
             <a:extLst>
               <a:ext uri="{91240B29-F687-4f45-9708-019B960494DF}">
-                <a14:hiddenLine xmlns="" xmlns:a14="http://schemas.microsoft.com/office/drawing/2010/main" w="9525">
+                <a14:hiddenLine xmlns:a14="http://schemas.microsoft.com/office/drawing/2010/main" xmlns="" w="9525">
                   <a:solidFill>
                     <a:srgbClr val="000000"/>
                   </a:solidFill>
@@ -2537,7 +2537,7 @@
             </a:ln>
             <a:extLst>
               <a:ext uri="{91240B29-F687-4f45-9708-019B960494DF}">
-                <a14:hiddenLine xmlns="" xmlns:a14="http://schemas.microsoft.com/office/drawing/2010/main" w="9525">
+                <a14:hiddenLine xmlns:a14="http://schemas.microsoft.com/office/drawing/2010/main" xmlns="" w="9525">
                   <a:solidFill>
                     <a:srgbClr val="000000"/>
                   </a:solidFill>
@@ -2599,7 +2599,7 @@
             </a:ln>
             <a:extLst>
               <a:ext uri="{91240B29-F687-4f45-9708-019B960494DF}">
-                <a14:hiddenLine xmlns="" xmlns:a14="http://schemas.microsoft.com/office/drawing/2010/main" w="9525">
+                <a14:hiddenLine xmlns:a14="http://schemas.microsoft.com/office/drawing/2010/main" xmlns="" w="9525">
                   <a:solidFill>
                     <a:srgbClr val="000000"/>
                   </a:solidFill>
@@ -2689,7 +2689,7 @@
             </a:ln>
             <a:extLst>
               <a:ext uri="{91240B29-F687-4f45-9708-019B960494DF}">
-                <a14:hiddenLine xmlns="" xmlns:a14="http://schemas.microsoft.com/office/drawing/2010/main" w="9525">
+                <a14:hiddenLine xmlns:a14="http://schemas.microsoft.com/office/drawing/2010/main" xmlns="" w="9525">
                   <a:solidFill>
                     <a:srgbClr val="000000"/>
                   </a:solidFill>
@@ -2757,7 +2757,7 @@
             </a:ln>
             <a:extLst>
               <a:ext uri="{91240B29-F687-4f45-9708-019B960494DF}">
-                <a14:hiddenLine xmlns="" xmlns:a14="http://schemas.microsoft.com/office/drawing/2010/main" w="9525">
+                <a14:hiddenLine xmlns:a14="http://schemas.microsoft.com/office/drawing/2010/main" xmlns="" w="9525">
                   <a:solidFill>
                     <a:srgbClr val="000000"/>
                   </a:solidFill>
@@ -2819,7 +2819,7 @@
             </a:ln>
             <a:extLst>
               <a:ext uri="{91240B29-F687-4f45-9708-019B960494DF}">
-                <a14:hiddenLine xmlns="" xmlns:a14="http://schemas.microsoft.com/office/drawing/2010/main" w="9525">
+                <a14:hiddenLine xmlns:a14="http://schemas.microsoft.com/office/drawing/2010/main" xmlns="" w="9525">
                   <a:solidFill>
                     <a:srgbClr val="000000"/>
                   </a:solidFill>
@@ -2909,7 +2909,7 @@
             </a:ln>
             <a:extLst>
               <a:ext uri="{91240B29-F687-4f45-9708-019B960494DF}">
-                <a14:hiddenLine xmlns="" xmlns:a14="http://schemas.microsoft.com/office/drawing/2010/main" w="9525">
+                <a14:hiddenLine xmlns:a14="http://schemas.microsoft.com/office/drawing/2010/main" xmlns="" w="9525">
                   <a:solidFill>
                     <a:srgbClr val="000000"/>
                   </a:solidFill>
@@ -2971,7 +2971,7 @@
             </a:ln>
             <a:extLst>
               <a:ext uri="{91240B29-F687-4f45-9708-019B960494DF}">
-                <a14:hiddenLine xmlns="" xmlns:a14="http://schemas.microsoft.com/office/drawing/2010/main" w="9525">
+                <a14:hiddenLine xmlns:a14="http://schemas.microsoft.com/office/drawing/2010/main" xmlns="" w="9525">
                   <a:solidFill>
                     <a:srgbClr val="000000"/>
                   </a:solidFill>
@@ -3061,7 +3061,7 @@
             </a:ln>
             <a:extLst>
               <a:ext uri="{91240B29-F687-4f45-9708-019B960494DF}">
-                <a14:hiddenLine xmlns="" xmlns:a14="http://schemas.microsoft.com/office/drawing/2010/main" w="9525">
+                <a14:hiddenLine xmlns:a14="http://schemas.microsoft.com/office/drawing/2010/main" xmlns="" w="9525">
                   <a:solidFill>
                     <a:srgbClr val="000000"/>
                   </a:solidFill>
@@ -3123,7 +3123,7 @@
             </a:ln>
             <a:extLst>
               <a:ext uri="{91240B29-F687-4f45-9708-019B960494DF}">
-                <a14:hiddenLine xmlns="" xmlns:a14="http://schemas.microsoft.com/office/drawing/2010/main" w="9525">
+                <a14:hiddenLine xmlns:a14="http://schemas.microsoft.com/office/drawing/2010/main" xmlns="" w="9525">
                   <a:solidFill>
                     <a:srgbClr val="000000"/>
                   </a:solidFill>
@@ -3213,7 +3213,7 @@
             </a:ln>
             <a:extLst>
               <a:ext uri="{91240B29-F687-4f45-9708-019B960494DF}">
-                <a14:hiddenLine xmlns="" xmlns:a14="http://schemas.microsoft.com/office/drawing/2010/main" w="9525">
+                <a14:hiddenLine xmlns:a14="http://schemas.microsoft.com/office/drawing/2010/main" xmlns="" w="9525">
                   <a:solidFill>
                     <a:srgbClr val="000000"/>
                   </a:solidFill>
@@ -3247,7 +3247,7 @@
             </a:ln>
             <a:extLst>
               <a:ext uri="{91240B29-F687-4f45-9708-019B960494DF}">
-                <a14:hiddenLine xmlns="" xmlns:a14="http://schemas.microsoft.com/office/drawing/2010/main" w="9525">
+                <a14:hiddenLine xmlns:a14="http://schemas.microsoft.com/office/drawing/2010/main" xmlns="" w="9525">
                   <a:solidFill>
                     <a:srgbClr val="000000"/>
                   </a:solidFill>
@@ -3312,7 +3312,7 @@
             </a:ln>
             <a:extLst>
               <a:ext uri="{91240B29-F687-4f45-9708-019B960494DF}">
-                <a14:hiddenLine xmlns="" xmlns:a14="http://schemas.microsoft.com/office/drawing/2010/main" w="9525">
+                <a14:hiddenLine xmlns:a14="http://schemas.microsoft.com/office/drawing/2010/main" xmlns="" w="9525">
                   <a:solidFill>
                     <a:srgbClr val="000000"/>
                   </a:solidFill>
@@ -3402,7 +3402,7 @@
             </a:ln>
             <a:extLst>
               <a:ext uri="{91240B29-F687-4f45-9708-019B960494DF}">
-                <a14:hiddenLine xmlns="" xmlns:a14="http://schemas.microsoft.com/office/drawing/2010/main" w="9525">
+                <a14:hiddenLine xmlns:a14="http://schemas.microsoft.com/office/drawing/2010/main" xmlns="" w="9525">
                   <a:solidFill>
                     <a:srgbClr val="000000"/>
                   </a:solidFill>
@@ -3464,7 +3464,7 @@
             </a:ln>
             <a:extLst>
               <a:ext uri="{91240B29-F687-4f45-9708-019B960494DF}">
-                <a14:hiddenLine xmlns="" xmlns:a14="http://schemas.microsoft.com/office/drawing/2010/main" w="9525">
+                <a14:hiddenLine xmlns:a14="http://schemas.microsoft.com/office/drawing/2010/main" xmlns="" w="9525">
                   <a:solidFill>
                     <a:srgbClr val="000000"/>
                   </a:solidFill>
@@ -3554,7 +3554,7 @@
             </a:ln>
             <a:extLst>
               <a:ext uri="{91240B29-F687-4f45-9708-019B960494DF}">
-                <a14:hiddenLine xmlns="" xmlns:a14="http://schemas.microsoft.com/office/drawing/2010/main" w="9525">
+                <a14:hiddenLine xmlns:a14="http://schemas.microsoft.com/office/drawing/2010/main" xmlns="" w="9525">
                   <a:solidFill>
                     <a:srgbClr val="000000"/>
                   </a:solidFill>
@@ -3644,7 +3644,7 @@
             </a:ln>
             <a:extLst>
               <a:ext uri="{91240B29-F687-4f45-9708-019B960494DF}">
-                <a14:hiddenLine xmlns="" xmlns:a14="http://schemas.microsoft.com/office/drawing/2010/main" w="9525">
+                <a14:hiddenLine xmlns:a14="http://schemas.microsoft.com/office/drawing/2010/main" xmlns="" w="9525">
                   <a:solidFill>
                     <a:srgbClr val="000000"/>
                   </a:solidFill>
@@ -3709,7 +3709,7 @@
             </a:ln>
             <a:extLst>
               <a:ext uri="{91240B29-F687-4f45-9708-019B960494DF}">
-                <a14:hiddenLine xmlns="" xmlns:a14="http://schemas.microsoft.com/office/drawing/2010/main" w="9525">
+                <a14:hiddenLine xmlns:a14="http://schemas.microsoft.com/office/drawing/2010/main" xmlns="" w="9525">
                   <a:solidFill>
                     <a:srgbClr val="000000"/>
                   </a:solidFill>
@@ -3771,7 +3771,7 @@
             </a:ln>
             <a:extLst>
               <a:ext uri="{91240B29-F687-4f45-9708-019B960494DF}">
-                <a14:hiddenLine xmlns="" xmlns:a14="http://schemas.microsoft.com/office/drawing/2010/main" w="9525">
+                <a14:hiddenLine xmlns:a14="http://schemas.microsoft.com/office/drawing/2010/main" xmlns="" w="9525">
                   <a:solidFill>
                     <a:srgbClr val="000000"/>
                   </a:solidFill>
@@ -3861,7 +3861,7 @@
             </a:ln>
             <a:extLst>
               <a:ext uri="{91240B29-F687-4f45-9708-019B960494DF}">
-                <a14:hiddenLine xmlns="" xmlns:a14="http://schemas.microsoft.com/office/drawing/2010/main" w="9525">
+                <a14:hiddenLine xmlns:a14="http://schemas.microsoft.com/office/drawing/2010/main" xmlns="" w="9525">
                   <a:solidFill>
                     <a:srgbClr val="000000"/>
                   </a:solidFill>
@@ -3951,7 +3951,7 @@
             </a:ln>
             <a:extLst>
               <a:ext uri="{91240B29-F687-4f45-9708-019B960494DF}">
-                <a14:hiddenLine xmlns="" xmlns:a14="http://schemas.microsoft.com/office/drawing/2010/main" w="9525">
+                <a14:hiddenLine xmlns:a14="http://schemas.microsoft.com/office/drawing/2010/main" xmlns="" w="9525">
                   <a:solidFill>
                     <a:srgbClr val="000000"/>
                   </a:solidFill>
@@ -4013,7 +4013,7 @@
             </a:ln>
             <a:extLst>
               <a:ext uri="{91240B29-F687-4f45-9708-019B960494DF}">
-                <a14:hiddenLine xmlns="" xmlns:a14="http://schemas.microsoft.com/office/drawing/2010/main" w="9525">
+                <a14:hiddenLine xmlns:a14="http://schemas.microsoft.com/office/drawing/2010/main" xmlns="" w="9525">
                   <a:solidFill>
                     <a:srgbClr val="000000"/>
                   </a:solidFill>
@@ -4133,7 +4133,7 @@
             </a:ln>
             <a:extLst>
               <a:ext uri="{91240B29-F687-4f45-9708-019B960494DF}">
-                <a14:hiddenLine xmlns="" xmlns:a14="http://schemas.microsoft.com/office/drawing/2010/main" w="9525">
+                <a14:hiddenLine xmlns:a14="http://schemas.microsoft.com/office/drawing/2010/main" xmlns="" w="9525">
                   <a:solidFill>
                     <a:srgbClr val="000000"/>
                   </a:solidFill>
@@ -4201,7 +4201,7 @@
             </a:ln>
             <a:extLst>
               <a:ext uri="{91240B29-F687-4f45-9708-019B960494DF}">
-                <a14:hiddenLine xmlns="" xmlns:a14="http://schemas.microsoft.com/office/drawing/2010/main" w="9525">
+                <a14:hiddenLine xmlns:a14="http://schemas.microsoft.com/office/drawing/2010/main" xmlns="" w="9525">
                   <a:solidFill>
                     <a:srgbClr val="000000"/>
                   </a:solidFill>
@@ -4291,7 +4291,7 @@
             </a:ln>
             <a:extLst>
               <a:ext uri="{91240B29-F687-4f45-9708-019B960494DF}">
-                <a14:hiddenLine xmlns="" xmlns:a14="http://schemas.microsoft.com/office/drawing/2010/main" w="9525">
+                <a14:hiddenLine xmlns:a14="http://schemas.microsoft.com/office/drawing/2010/main" xmlns="" w="9525">
                   <a:solidFill>
                     <a:srgbClr val="000000"/>
                   </a:solidFill>
@@ -4431,7 +4431,7 @@
           <a:p>
             <a:fld id="{48A87A34-81AB-432B-8DAE-1953F412C126}" type="datetimeFigureOut">
               <a:rPr lang="en-US" dirty="0"/>
-              <a:t>10/14/2021</a:t>
+              <a:t>10/20/2021</a:t>
             </a:fld>
             <a:endParaRPr lang="en-US" dirty="0"/>
           </a:p>
@@ -4693,7 +4693,7 @@
           <a:p>
             <a:fld id="{48A87A34-81AB-432B-8DAE-1953F412C126}" type="datetimeFigureOut">
               <a:rPr lang="en-US" dirty="0"/>
-              <a:t>10/14/2021</a:t>
+              <a:t>10/20/2021</a:t>
             </a:fld>
             <a:endParaRPr lang="en-US" dirty="0"/>
           </a:p>
@@ -4884,7 +4884,7 @@
           <a:p>
             <a:fld id="{48A87A34-81AB-432B-8DAE-1953F412C126}" type="datetimeFigureOut">
               <a:rPr lang="en-US" dirty="0"/>
-              <a:t>10/14/2021</a:t>
+              <a:t>10/20/2021</a:t>
             </a:fld>
             <a:endParaRPr lang="en-US" dirty="0"/>
           </a:p>
@@ -5142,7 +5142,7 @@
           <a:p>
             <a:fld id="{48A87A34-81AB-432B-8DAE-1953F412C126}" type="datetimeFigureOut">
               <a:rPr lang="en-US" dirty="0"/>
-              <a:t>10/14/2021</a:t>
+              <a:t>10/20/2021</a:t>
             </a:fld>
             <a:endParaRPr lang="en-US" dirty="0"/>
           </a:p>
@@ -5571,7 +5571,7 @@
           <a:p>
             <a:fld id="{48A87A34-81AB-432B-8DAE-1953F412C126}" type="datetimeFigureOut">
               <a:rPr lang="en-US" dirty="0"/>
-              <a:t>10/14/2021</a:t>
+              <a:t>10/20/2021</a:t>
             </a:fld>
             <a:endParaRPr lang="en-US" dirty="0"/>
           </a:p>
@@ -6112,7 +6112,7 @@
           <a:p>
             <a:fld id="{48A87A34-81AB-432B-8DAE-1953F412C126}" type="datetimeFigureOut">
               <a:rPr lang="en-US" dirty="0"/>
-              <a:t>10/14/2021</a:t>
+              <a:t>10/20/2021</a:t>
             </a:fld>
             <a:endParaRPr lang="en-US" dirty="0"/>
           </a:p>
@@ -6827,7 +6827,7 @@
           <a:p>
             <a:fld id="{48A87A34-81AB-432B-8DAE-1953F412C126}" type="datetimeFigureOut">
               <a:rPr lang="en-US" dirty="0"/>
-              <a:t>10/14/2021</a:t>
+              <a:t>10/20/2021</a:t>
             </a:fld>
             <a:endParaRPr lang="en-US" dirty="0"/>
           </a:p>
@@ -6992,7 +6992,7 @@
           <a:p>
             <a:fld id="{48A87A34-81AB-432B-8DAE-1953F412C126}" type="datetimeFigureOut">
               <a:rPr lang="en-US" dirty="0"/>
-              <a:t>10/14/2021</a:t>
+              <a:t>10/20/2021</a:t>
             </a:fld>
             <a:endParaRPr lang="en-US" dirty="0"/>
           </a:p>
@@ -7167,7 +7167,7 @@
           <a:p>
             <a:fld id="{48A87A34-81AB-432B-8DAE-1953F412C126}" type="datetimeFigureOut">
               <a:rPr lang="en-US" dirty="0"/>
-              <a:t>10/14/2021</a:t>
+              <a:t>10/20/2021</a:t>
             </a:fld>
             <a:endParaRPr lang="en-US" dirty="0"/>
           </a:p>
@@ -7332,7 +7332,7 @@
           <a:p>
             <a:fld id="{48A87A34-81AB-432B-8DAE-1953F412C126}" type="datetimeFigureOut">
               <a:rPr lang="en-US" dirty="0"/>
-              <a:t>10/14/2021</a:t>
+              <a:t>10/20/2021</a:t>
             </a:fld>
             <a:endParaRPr lang="en-US" dirty="0"/>
           </a:p>
@@ -7577,7 +7577,7 @@
           <a:p>
             <a:fld id="{48A87A34-81AB-432B-8DAE-1953F412C126}" type="datetimeFigureOut">
               <a:rPr lang="en-US" dirty="0"/>
-              <a:t>10/14/2021</a:t>
+              <a:t>10/20/2021</a:t>
             </a:fld>
             <a:endParaRPr lang="en-US" dirty="0"/>
           </a:p>
@@ -7804,7 +7804,7 @@
           <a:p>
             <a:fld id="{48A87A34-81AB-432B-8DAE-1953F412C126}" type="datetimeFigureOut">
               <a:rPr lang="en-US" dirty="0"/>
-              <a:t>10/14/2021</a:t>
+              <a:t>10/20/2021</a:t>
             </a:fld>
             <a:endParaRPr lang="en-US" dirty="0"/>
           </a:p>
@@ -8180,7 +8180,7 @@
           <a:p>
             <a:fld id="{48A87A34-81AB-432B-8DAE-1953F412C126}" type="datetimeFigureOut">
               <a:rPr lang="en-US" dirty="0"/>
-              <a:t>10/14/2021</a:t>
+              <a:t>10/20/2021</a:t>
             </a:fld>
             <a:endParaRPr lang="en-US" dirty="0"/>
           </a:p>
@@ -8293,7 +8293,7 @@
           <a:p>
             <a:fld id="{48A87A34-81AB-432B-8DAE-1953F412C126}" type="datetimeFigureOut">
               <a:rPr lang="en-US" dirty="0"/>
-              <a:t>10/14/2021</a:t>
+              <a:t>10/20/2021</a:t>
             </a:fld>
             <a:endParaRPr lang="en-US" dirty="0"/>
           </a:p>
@@ -8383,7 +8383,7 @@
           <a:p>
             <a:fld id="{48A87A34-81AB-432B-8DAE-1953F412C126}" type="datetimeFigureOut">
               <a:rPr lang="en-US" dirty="0"/>
-              <a:t>10/14/2021</a:t>
+              <a:t>10/20/2021</a:t>
             </a:fld>
             <a:endParaRPr lang="en-US" dirty="0"/>
           </a:p>
@@ -8627,7 +8627,7 @@
           <a:p>
             <a:fld id="{48A87A34-81AB-432B-8DAE-1953F412C126}" type="datetimeFigureOut">
               <a:rPr lang="en-US" dirty="0"/>
-              <a:t>10/14/2021</a:t>
+              <a:t>10/20/2021</a:t>
             </a:fld>
             <a:endParaRPr lang="en-US" dirty="0"/>
           </a:p>
@@ -8902,7 +8902,7 @@
           <a:p>
             <a:fld id="{48A87A34-81AB-432B-8DAE-1953F412C126}" type="datetimeFigureOut">
               <a:rPr lang="en-US" dirty="0"/>
-              <a:t>10/14/2021</a:t>
+              <a:t>10/20/2021</a:t>
             </a:fld>
             <a:endParaRPr lang="en-US" dirty="0"/>
           </a:p>
@@ -9020,7 +9020,7 @@
           <a:noFill/>
           <a:extLst>
             <a:ext uri="{909E8E84-426E-40dd-AFC4-6F175D3DCCD1}">
-              <a14:hiddenFill xmlns="" xmlns:a14="http://schemas.microsoft.com/office/drawing/2010/main">
+              <a14:hiddenFill xmlns:a14="http://schemas.microsoft.com/office/drawing/2010/main" xmlns="">
                 <a:solidFill>
                   <a:srgbClr val="FFFFFF"/>
                 </a:solidFill>
@@ -9094,7 +9094,7 @@
               </a:ln>
               <a:extLst>
                 <a:ext uri="{91240B29-F687-4f45-9708-019B960494DF}">
-                  <a14:hiddenLine xmlns="" xmlns:a14="http://schemas.microsoft.com/office/drawing/2010/main" w="9525">
+                  <a14:hiddenLine xmlns:a14="http://schemas.microsoft.com/office/drawing/2010/main" xmlns="" w="9525">
                     <a:solidFill>
                       <a:srgbClr val="000000"/>
                     </a:solidFill>
@@ -9184,7 +9184,7 @@
               </a:ln>
               <a:extLst>
                 <a:ext uri="{91240B29-F687-4f45-9708-019B960494DF}">
-                  <a14:hiddenLine xmlns="" xmlns:a14="http://schemas.microsoft.com/office/drawing/2010/main" w="9525">
+                  <a14:hiddenLine xmlns:a14="http://schemas.microsoft.com/office/drawing/2010/main" xmlns="" w="9525">
                     <a:solidFill>
                       <a:srgbClr val="000000"/>
                     </a:solidFill>
@@ -9274,7 +9274,7 @@
               </a:ln>
               <a:extLst>
                 <a:ext uri="{91240B29-F687-4f45-9708-019B960494DF}">
-                  <a14:hiddenLine xmlns="" xmlns:a14="http://schemas.microsoft.com/office/drawing/2010/main" w="9525">
+                  <a14:hiddenLine xmlns:a14="http://schemas.microsoft.com/office/drawing/2010/main" xmlns="" w="9525">
                     <a:solidFill>
                       <a:srgbClr val="000000"/>
                     </a:solidFill>
@@ -9336,7 +9336,7 @@
               </a:ln>
               <a:extLst>
                 <a:ext uri="{91240B29-F687-4f45-9708-019B960494DF}">
-                  <a14:hiddenLine xmlns="" xmlns:a14="http://schemas.microsoft.com/office/drawing/2010/main" w="9525">
+                  <a14:hiddenLine xmlns:a14="http://schemas.microsoft.com/office/drawing/2010/main" xmlns="" w="9525">
                     <a:solidFill>
                       <a:srgbClr val="000000"/>
                     </a:solidFill>
@@ -9426,7 +9426,7 @@
               </a:ln>
               <a:extLst>
                 <a:ext uri="{91240B29-F687-4f45-9708-019B960494DF}">
-                  <a14:hiddenLine xmlns="" xmlns:a14="http://schemas.microsoft.com/office/drawing/2010/main" w="9525">
+                  <a14:hiddenLine xmlns:a14="http://schemas.microsoft.com/office/drawing/2010/main" xmlns="" w="9525">
                     <a:solidFill>
                       <a:srgbClr val="000000"/>
                     </a:solidFill>
@@ -9488,7 +9488,7 @@
               </a:ln>
               <a:extLst>
                 <a:ext uri="{91240B29-F687-4f45-9708-019B960494DF}">
-                  <a14:hiddenLine xmlns="" xmlns:a14="http://schemas.microsoft.com/office/drawing/2010/main" w="9525">
+                  <a14:hiddenLine xmlns:a14="http://schemas.microsoft.com/office/drawing/2010/main" xmlns="" w="9525">
                     <a:solidFill>
                       <a:srgbClr val="000000"/>
                     </a:solidFill>
@@ -9550,7 +9550,7 @@
               </a:ln>
               <a:extLst>
                 <a:ext uri="{91240B29-F687-4f45-9708-019B960494DF}">
-                  <a14:hiddenLine xmlns="" xmlns:a14="http://schemas.microsoft.com/office/drawing/2010/main" w="9525">
+                  <a14:hiddenLine xmlns:a14="http://schemas.microsoft.com/office/drawing/2010/main" xmlns="" w="9525">
                     <a:solidFill>
                       <a:srgbClr val="000000"/>
                     </a:solidFill>
@@ -9640,7 +9640,7 @@
               </a:ln>
               <a:extLst>
                 <a:ext uri="{91240B29-F687-4f45-9708-019B960494DF}">
-                  <a14:hiddenLine xmlns="" xmlns:a14="http://schemas.microsoft.com/office/drawing/2010/main" w="9525">
+                  <a14:hiddenLine xmlns:a14="http://schemas.microsoft.com/office/drawing/2010/main" xmlns="" w="9525">
                     <a:solidFill>
                       <a:srgbClr val="000000"/>
                     </a:solidFill>
@@ -9730,7 +9730,7 @@
               </a:ln>
               <a:extLst>
                 <a:ext uri="{91240B29-F687-4f45-9708-019B960494DF}">
-                  <a14:hiddenLine xmlns="" xmlns:a14="http://schemas.microsoft.com/office/drawing/2010/main" w="9525">
+                  <a14:hiddenLine xmlns:a14="http://schemas.microsoft.com/office/drawing/2010/main" xmlns="" w="9525">
                     <a:solidFill>
                       <a:srgbClr val="000000"/>
                     </a:solidFill>
@@ -9792,7 +9792,7 @@
               </a:ln>
               <a:extLst>
                 <a:ext uri="{91240B29-F687-4f45-9708-019B960494DF}">
-                  <a14:hiddenLine xmlns="" xmlns:a14="http://schemas.microsoft.com/office/drawing/2010/main" w="9525">
+                  <a14:hiddenLine xmlns:a14="http://schemas.microsoft.com/office/drawing/2010/main" xmlns="" w="9525">
                     <a:solidFill>
                       <a:srgbClr val="000000"/>
                     </a:solidFill>
@@ -9902,7 +9902,7 @@
               </a:ln>
               <a:extLst>
                 <a:ext uri="{91240B29-F687-4f45-9708-019B960494DF}">
-                  <a14:hiddenLine xmlns="" xmlns:a14="http://schemas.microsoft.com/office/drawing/2010/main" w="9525">
+                  <a14:hiddenLine xmlns:a14="http://schemas.microsoft.com/office/drawing/2010/main" xmlns="" w="9525">
                     <a:solidFill>
                       <a:srgbClr val="000000"/>
                     </a:solidFill>
@@ -9986,7 +9986,7 @@
               </a:ln>
               <a:extLst>
                 <a:ext uri="{91240B29-F687-4f45-9708-019B960494DF}">
-                  <a14:hiddenLine xmlns="" xmlns:a14="http://schemas.microsoft.com/office/drawing/2010/main" w="9525">
+                  <a14:hiddenLine xmlns:a14="http://schemas.microsoft.com/office/drawing/2010/main" xmlns="" w="9525">
                     <a:solidFill>
                       <a:srgbClr val="000000"/>
                     </a:solidFill>
@@ -10048,7 +10048,7 @@
               </a:ln>
               <a:extLst>
                 <a:ext uri="{91240B29-F687-4f45-9708-019B960494DF}">
-                  <a14:hiddenLine xmlns="" xmlns:a14="http://schemas.microsoft.com/office/drawing/2010/main" w="9525">
+                  <a14:hiddenLine xmlns:a14="http://schemas.microsoft.com/office/drawing/2010/main" xmlns="" w="9525">
                     <a:solidFill>
                       <a:srgbClr val="000000"/>
                     </a:solidFill>
@@ -10110,7 +10110,7 @@
               </a:ln>
               <a:extLst>
                 <a:ext uri="{91240B29-F687-4f45-9708-019B960494DF}">
-                  <a14:hiddenLine xmlns="" xmlns:a14="http://schemas.microsoft.com/office/drawing/2010/main" w="9525">
+                  <a14:hiddenLine xmlns:a14="http://schemas.microsoft.com/office/drawing/2010/main" xmlns="" w="9525">
                     <a:solidFill>
                       <a:srgbClr val="000000"/>
                     </a:solidFill>
@@ -10200,7 +10200,7 @@
               </a:ln>
               <a:extLst>
                 <a:ext uri="{91240B29-F687-4f45-9708-019B960494DF}">
-                  <a14:hiddenLine xmlns="" xmlns:a14="http://schemas.microsoft.com/office/drawing/2010/main" w="9525">
+                  <a14:hiddenLine xmlns:a14="http://schemas.microsoft.com/office/drawing/2010/main" xmlns="" w="9525">
                     <a:solidFill>
                       <a:srgbClr val="000000"/>
                     </a:solidFill>
@@ -10234,7 +10234,7 @@
               </a:ln>
               <a:extLst>
                 <a:ext uri="{91240B29-F687-4f45-9708-019B960494DF}">
-                  <a14:hiddenLine xmlns="" xmlns:a14="http://schemas.microsoft.com/office/drawing/2010/main" w="9525">
+                  <a14:hiddenLine xmlns:a14="http://schemas.microsoft.com/office/drawing/2010/main" xmlns="" w="9525">
                     <a:solidFill>
                       <a:srgbClr val="000000"/>
                     </a:solidFill>
@@ -10299,7 +10299,7 @@
               </a:ln>
               <a:extLst>
                 <a:ext uri="{91240B29-F687-4f45-9708-019B960494DF}">
-                  <a14:hiddenLine xmlns="" xmlns:a14="http://schemas.microsoft.com/office/drawing/2010/main" w="9525">
+                  <a14:hiddenLine xmlns:a14="http://schemas.microsoft.com/office/drawing/2010/main" xmlns="" w="9525">
                     <a:solidFill>
                       <a:srgbClr val="000000"/>
                     </a:solidFill>
@@ -10389,7 +10389,7 @@
               </a:ln>
               <a:extLst>
                 <a:ext uri="{91240B29-F687-4f45-9708-019B960494DF}">
-                  <a14:hiddenLine xmlns="" xmlns:a14="http://schemas.microsoft.com/office/drawing/2010/main" w="9525">
+                  <a14:hiddenLine xmlns:a14="http://schemas.microsoft.com/office/drawing/2010/main" xmlns="" w="9525">
                     <a:solidFill>
                       <a:srgbClr val="000000"/>
                     </a:solidFill>
@@ -10451,7 +10451,7 @@
               </a:ln>
               <a:extLst>
                 <a:ext uri="{91240B29-F687-4f45-9708-019B960494DF}">
-                  <a14:hiddenLine xmlns="" xmlns:a14="http://schemas.microsoft.com/office/drawing/2010/main" w="9525">
+                  <a14:hiddenLine xmlns:a14="http://schemas.microsoft.com/office/drawing/2010/main" xmlns="" w="9525">
                     <a:solidFill>
                       <a:srgbClr val="000000"/>
                     </a:solidFill>
@@ -10541,7 +10541,7 @@
               </a:ln>
               <a:extLst>
                 <a:ext uri="{91240B29-F687-4f45-9708-019B960494DF}">
-                  <a14:hiddenLine xmlns="" xmlns:a14="http://schemas.microsoft.com/office/drawing/2010/main" w="9525">
+                  <a14:hiddenLine xmlns:a14="http://schemas.microsoft.com/office/drawing/2010/main" xmlns="" w="9525">
                     <a:solidFill>
                       <a:srgbClr val="000000"/>
                     </a:solidFill>
@@ -10606,7 +10606,7 @@
               </a:ln>
               <a:extLst>
                 <a:ext uri="{91240B29-F687-4f45-9708-019B960494DF}">
-                  <a14:hiddenLine xmlns="" xmlns:a14="http://schemas.microsoft.com/office/drawing/2010/main" w="9525">
+                  <a14:hiddenLine xmlns:a14="http://schemas.microsoft.com/office/drawing/2010/main" xmlns="" w="9525">
                     <a:solidFill>
                       <a:srgbClr val="000000"/>
                     </a:solidFill>
@@ -10668,7 +10668,7 @@
               </a:ln>
               <a:extLst>
                 <a:ext uri="{91240B29-F687-4f45-9708-019B960494DF}">
-                  <a14:hiddenLine xmlns="" xmlns:a14="http://schemas.microsoft.com/office/drawing/2010/main" w="9525">
+                  <a14:hiddenLine xmlns:a14="http://schemas.microsoft.com/office/drawing/2010/main" xmlns="" w="9525">
                     <a:solidFill>
                       <a:srgbClr val="000000"/>
                     </a:solidFill>
@@ -10758,7 +10758,7 @@
               </a:ln>
               <a:extLst>
                 <a:ext uri="{91240B29-F687-4f45-9708-019B960494DF}">
-                  <a14:hiddenLine xmlns="" xmlns:a14="http://schemas.microsoft.com/office/drawing/2010/main" w="9525">
+                  <a14:hiddenLine xmlns:a14="http://schemas.microsoft.com/office/drawing/2010/main" xmlns="" w="9525">
                     <a:solidFill>
                       <a:srgbClr val="000000"/>
                     </a:solidFill>
@@ -10848,7 +10848,7 @@
               </a:ln>
               <a:extLst>
                 <a:ext uri="{91240B29-F687-4f45-9708-019B960494DF}">
-                  <a14:hiddenLine xmlns="" xmlns:a14="http://schemas.microsoft.com/office/drawing/2010/main" w="9525">
+                  <a14:hiddenLine xmlns:a14="http://schemas.microsoft.com/office/drawing/2010/main" xmlns="" w="9525">
                     <a:solidFill>
                       <a:srgbClr val="000000"/>
                     </a:solidFill>
@@ -10913,7 +10913,7 @@
               </a:ln>
               <a:extLst>
                 <a:ext uri="{91240B29-F687-4f45-9708-019B960494DF}">
-                  <a14:hiddenLine xmlns="" xmlns:a14="http://schemas.microsoft.com/office/drawing/2010/main" w="9525">
+                  <a14:hiddenLine xmlns:a14="http://schemas.microsoft.com/office/drawing/2010/main" xmlns="" w="9525">
                     <a:solidFill>
                       <a:srgbClr val="000000"/>
                     </a:solidFill>
@@ -11033,7 +11033,7 @@
               </a:ln>
               <a:extLst>
                 <a:ext uri="{91240B29-F687-4f45-9708-019B960494DF}">
-                  <a14:hiddenLine xmlns="" xmlns:a14="http://schemas.microsoft.com/office/drawing/2010/main" w="9525">
+                  <a14:hiddenLine xmlns:a14="http://schemas.microsoft.com/office/drawing/2010/main" xmlns="" w="9525">
                     <a:solidFill>
                       <a:srgbClr val="000000"/>
                     </a:solidFill>
@@ -11114,7 +11114,7 @@
               </a:ln>
               <a:extLst>
                 <a:ext uri="{91240B29-F687-4f45-9708-019B960494DF}">
-                  <a14:hiddenLine xmlns="" xmlns:a14="http://schemas.microsoft.com/office/drawing/2010/main" w="9525">
+                  <a14:hiddenLine xmlns:a14="http://schemas.microsoft.com/office/drawing/2010/main" xmlns="" w="9525">
                     <a:solidFill>
                       <a:srgbClr val="000000"/>
                     </a:solidFill>
@@ -11229,7 +11229,7 @@
               </a:ln>
               <a:extLst>
                 <a:ext uri="{91240B29-F687-4f45-9708-019B960494DF}">
-                  <a14:hiddenLine xmlns="" xmlns:a14="http://schemas.microsoft.com/office/drawing/2010/main" w="9525">
+                  <a14:hiddenLine xmlns:a14="http://schemas.microsoft.com/office/drawing/2010/main" xmlns="" w="9525">
                     <a:solidFill>
                       <a:srgbClr val="000000"/>
                     </a:solidFill>
@@ -11319,7 +11319,7 @@
               </a:ln>
               <a:extLst>
                 <a:ext uri="{91240B29-F687-4f45-9708-019B960494DF}">
-                  <a14:hiddenLine xmlns="" xmlns:a14="http://schemas.microsoft.com/office/drawing/2010/main" w="9525">
+                  <a14:hiddenLine xmlns:a14="http://schemas.microsoft.com/office/drawing/2010/main" xmlns="" w="9525">
                     <a:solidFill>
                       <a:srgbClr val="000000"/>
                     </a:solidFill>
@@ -11384,7 +11384,7 @@
               </a:ln>
               <a:extLst>
                 <a:ext uri="{91240B29-F687-4f45-9708-019B960494DF}">
-                  <a14:hiddenLine xmlns="" xmlns:a14="http://schemas.microsoft.com/office/drawing/2010/main" w="9525">
+                  <a14:hiddenLine xmlns:a14="http://schemas.microsoft.com/office/drawing/2010/main" xmlns="" w="9525">
                     <a:solidFill>
                       <a:srgbClr val="000000"/>
                     </a:solidFill>
@@ -11474,7 +11474,7 @@
               </a:ln>
               <a:extLst>
                 <a:ext uri="{91240B29-F687-4f45-9708-019B960494DF}">
-                  <a14:hiddenLine xmlns="" xmlns:a14="http://schemas.microsoft.com/office/drawing/2010/main" w="9525">
+                  <a14:hiddenLine xmlns:a14="http://schemas.microsoft.com/office/drawing/2010/main" xmlns="" w="9525">
                     <a:solidFill>
                       <a:srgbClr val="000000"/>
                     </a:solidFill>
@@ -11542,7 +11542,7 @@
               </a:ln>
               <a:extLst>
                 <a:ext uri="{91240B29-F687-4f45-9708-019B960494DF}">
-                  <a14:hiddenLine xmlns="" xmlns:a14="http://schemas.microsoft.com/office/drawing/2010/main" w="9525">
+                  <a14:hiddenLine xmlns:a14="http://schemas.microsoft.com/office/drawing/2010/main" xmlns="" w="9525">
                     <a:solidFill>
                       <a:srgbClr val="000000"/>
                     </a:solidFill>
@@ -11632,7 +11632,7 @@
               </a:ln>
               <a:extLst>
                 <a:ext uri="{91240B29-F687-4f45-9708-019B960494DF}">
-                  <a14:hiddenLine xmlns="" xmlns:a14="http://schemas.microsoft.com/office/drawing/2010/main" w="9525">
+                  <a14:hiddenLine xmlns:a14="http://schemas.microsoft.com/office/drawing/2010/main" xmlns="" w="9525">
                     <a:solidFill>
                       <a:srgbClr val="000000"/>
                     </a:solidFill>
@@ -11700,7 +11700,7 @@
               </a:ln>
               <a:extLst>
                 <a:ext uri="{91240B29-F687-4f45-9708-019B960494DF}">
-                  <a14:hiddenLine xmlns="" xmlns:a14="http://schemas.microsoft.com/office/drawing/2010/main" w="9525">
+                  <a14:hiddenLine xmlns:a14="http://schemas.microsoft.com/office/drawing/2010/main" xmlns="" w="9525">
                     <a:solidFill>
                       <a:srgbClr val="000000"/>
                     </a:solidFill>
@@ -11790,7 +11790,7 @@
               </a:ln>
               <a:extLst>
                 <a:ext uri="{91240B29-F687-4f45-9708-019B960494DF}">
-                  <a14:hiddenLine xmlns="" xmlns:a14="http://schemas.microsoft.com/office/drawing/2010/main" w="9525">
+                  <a14:hiddenLine xmlns:a14="http://schemas.microsoft.com/office/drawing/2010/main" xmlns="" w="9525">
                     <a:solidFill>
                       <a:srgbClr val="000000"/>
                     </a:solidFill>
@@ -11824,7 +11824,7 @@
               </a:ln>
               <a:extLst>
                 <a:ext uri="{91240B29-F687-4f45-9708-019B960494DF}">
-                  <a14:hiddenLine xmlns="" xmlns:a14="http://schemas.microsoft.com/office/drawing/2010/main" w="9525">
+                  <a14:hiddenLine xmlns:a14="http://schemas.microsoft.com/office/drawing/2010/main" xmlns="" w="9525">
                     <a:solidFill>
                       <a:srgbClr val="000000"/>
                     </a:solidFill>
@@ -11965,7 +11965,7 @@
             <a:fld id="{48A87A34-81AB-432B-8DAE-1953F412C126}" type="datetimeFigureOut">
               <a:rPr lang="en-US" dirty="0"/>
               <a:pPr/>
-              <a:t>10/14/2021</a:t>
+              <a:t>10/20/2021</a:t>
             </a:fld>
             <a:endParaRPr lang="en-US" dirty="0"/>
           </a:p>
